--- a/Power BI - Consuming Uncommon Data Sources.pptx
+++ b/Power BI - Consuming Uncommon Data Sources.pptx
@@ -5120,10 +5120,10 @@
       </p:sp>
       <p:pic>
         <p:nvPicPr>
-          <p:cNvPr id="5" name="Picture 4">
+          <p:cNvPr id="4" name="Picture 3">
             <a:extLst>
               <a:ext uri="{FF2B5EF4-FFF2-40B4-BE49-F238E27FC236}">
-                <a16:creationId xmlns:a16="http://schemas.microsoft.com/office/drawing/2014/main" id="{CBEF66B8-6D0E-45D8-9EED-191F5CCAB9AD}"/>
+                <a16:creationId xmlns:a16="http://schemas.microsoft.com/office/drawing/2014/main" id="{29720673-0A9C-4263-827A-5399A5991510}"/>
               </a:ext>
             </a:extLst>
           </p:cNvPr>
@@ -5140,8 +5140,8 @@
         </p:blipFill>
         <p:spPr>
           <a:xfrm>
-            <a:off x="1352999" y="2419712"/>
-            <a:ext cx="9486001" cy="4291875"/>
+            <a:off x="1342780" y="2263655"/>
+            <a:ext cx="9506439" cy="4460995"/>
           </a:xfrm>
           <a:prstGeom prst="rect">
             <a:avLst/>
